--- a/DonCey Kong.pptx
+++ b/DonCey Kong.pptx
@@ -9,6 +9,8 @@
     <p:sldId id="257" r:id="rId3"/>
     <p:sldId id="258" r:id="rId4"/>
     <p:sldId id="259" r:id="rId5"/>
+    <p:sldId id="260" r:id="rId6"/>
+    <p:sldId id="261" r:id="rId7"/>
   </p:sldIdLst>
   <p:sldSz cx="12192000" cy="6858000"/>
   <p:notesSz cx="6858000" cy="9144000"/>
@@ -107,6 +109,11 @@
       </a:defRPr>
     </a:lvl9pPr>
   </p:defaultTextStyle>
+  <p:extLst>
+    <p:ext uri="{EFAFB233-063F-42B5-8137-9DF3F51BA10A}">
+      <p15:sldGuideLst xmlns:p15="http://schemas.microsoft.com/office/powerpoint/2012/main"/>
+    </p:ext>
+  </p:extLst>
 </p:presentation>
 </file>
 
@@ -4979,6 +4986,250 @@
 </p:sld>
 </file>
 
+<file path=ppt/slides/slide5.xml><?xml version="1.0" encoding="utf-8"?>
+<p:sld xmlns:a="http://schemas.openxmlformats.org/drawingml/2006/main" xmlns:r="http://schemas.openxmlformats.org/officeDocument/2006/relationships" xmlns:p="http://schemas.openxmlformats.org/presentationml/2006/main">
+  <p:cSld>
+    <p:spTree>
+      <p:nvGrpSpPr>
+        <p:cNvPr id="1" name=""/>
+        <p:cNvGrpSpPr/>
+        <p:nvPr/>
+      </p:nvGrpSpPr>
+      <p:grpSpPr>
+        <a:xfrm>
+          <a:off x="0" y="0"/>
+          <a:ext cx="0" cy="0"/>
+          <a:chOff x="0" y="0"/>
+          <a:chExt cx="0" cy="0"/>
+        </a:xfrm>
+      </p:grpSpPr>
+      <p:sp>
+        <p:nvSpPr>
+          <p:cNvPr id="2" name="Título 1">
+            <a:extLst>
+              <a:ext uri="{FF2B5EF4-FFF2-40B4-BE49-F238E27FC236}">
+                <a16:creationId xmlns:a16="http://schemas.microsoft.com/office/drawing/2014/main" id="{908943CD-78E9-83EF-2727-A3264F50DC25}"/>
+              </a:ext>
+            </a:extLst>
+          </p:cNvPr>
+          <p:cNvSpPr>
+            <a:spLocks noGrp="1"/>
+          </p:cNvSpPr>
+          <p:nvPr>
+            <p:ph type="title"/>
+          </p:nvPr>
+        </p:nvSpPr>
+        <p:spPr/>
+        <p:txBody>
+          <a:bodyPr/>
+          <a:lstStyle/>
+          <a:p>
+            <a:r>
+              <a:rPr lang="en-US" dirty="0" err="1"/>
+              <a:t>Uso</a:t>
+            </a:r>
+            <a:r>
+              <a:rPr lang="en-US" dirty="0"/>
+              <a:t> de </a:t>
+            </a:r>
+            <a:r>
+              <a:rPr lang="en-US" dirty="0" err="1"/>
+              <a:t>Herencia</a:t>
+            </a:r>
+            <a:endParaRPr lang="es-CR" dirty="0"/>
+          </a:p>
+        </p:txBody>
+      </p:sp>
+      <p:pic>
+        <p:nvPicPr>
+          <p:cNvPr id="5" name="Marcador de contenido 4">
+            <a:extLst>
+              <a:ext uri="{FF2B5EF4-FFF2-40B4-BE49-F238E27FC236}">
+                <a16:creationId xmlns:a16="http://schemas.microsoft.com/office/drawing/2014/main" id="{AD5F728A-B49A-3515-5855-848927C59A72}"/>
+              </a:ext>
+            </a:extLst>
+          </p:cNvPr>
+          <p:cNvPicPr>
+            <a:picLocks noGrp="1" noChangeAspect="1"/>
+          </p:cNvPicPr>
+          <p:nvPr>
+            <p:ph idx="1"/>
+          </p:nvPr>
+        </p:nvPicPr>
+        <p:blipFill>
+          <a:blip r:embed="rId2"/>
+          <a:stretch>
+            <a:fillRect/>
+          </a:stretch>
+        </p:blipFill>
+        <p:spPr>
+          <a:xfrm>
+            <a:off x="2059336" y="2925146"/>
+            <a:ext cx="4077269" cy="2438740"/>
+          </a:xfrm>
+        </p:spPr>
+      </p:pic>
+      <p:pic>
+        <p:nvPicPr>
+          <p:cNvPr id="7" name="Imagen 6">
+            <a:extLst>
+              <a:ext uri="{FF2B5EF4-FFF2-40B4-BE49-F238E27FC236}">
+                <a16:creationId xmlns:a16="http://schemas.microsoft.com/office/drawing/2014/main" id="{FBFF0598-95C7-C0A8-9B41-1E209B252D6B}"/>
+              </a:ext>
+            </a:extLst>
+          </p:cNvPr>
+          <p:cNvPicPr>
+            <a:picLocks noChangeAspect="1"/>
+          </p:cNvPicPr>
+          <p:nvPr/>
+        </p:nvPicPr>
+        <p:blipFill>
+          <a:blip r:embed="rId3"/>
+          <a:stretch>
+            <a:fillRect/>
+          </a:stretch>
+        </p:blipFill>
+        <p:spPr>
+          <a:xfrm>
+            <a:off x="7306736" y="2024908"/>
+            <a:ext cx="3934374" cy="1800476"/>
+          </a:xfrm>
+          <a:prstGeom prst="rect">
+            <a:avLst/>
+          </a:prstGeom>
+        </p:spPr>
+      </p:pic>
+      <p:pic>
+        <p:nvPicPr>
+          <p:cNvPr id="9" name="Imagen 8">
+            <a:extLst>
+              <a:ext uri="{FF2B5EF4-FFF2-40B4-BE49-F238E27FC236}">
+                <a16:creationId xmlns:a16="http://schemas.microsoft.com/office/drawing/2014/main" id="{D5F5B5A6-3045-5B28-395A-C0FC1A5D61F5}"/>
+              </a:ext>
+            </a:extLst>
+          </p:cNvPr>
+          <p:cNvPicPr>
+            <a:picLocks noChangeAspect="1"/>
+          </p:cNvPicPr>
+          <p:nvPr/>
+        </p:nvPicPr>
+        <p:blipFill>
+          <a:blip r:embed="rId4"/>
+          <a:stretch>
+            <a:fillRect/>
+          </a:stretch>
+        </p:blipFill>
+        <p:spPr>
+          <a:xfrm>
+            <a:off x="7306736" y="3997386"/>
+            <a:ext cx="3934374" cy="2133898"/>
+          </a:xfrm>
+          <a:prstGeom prst="rect">
+            <a:avLst/>
+          </a:prstGeom>
+        </p:spPr>
+      </p:pic>
+    </p:spTree>
+    <p:extLst>
+      <p:ext uri="{BB962C8B-B14F-4D97-AF65-F5344CB8AC3E}">
+        <p14:creationId xmlns:p14="http://schemas.microsoft.com/office/powerpoint/2010/main" val="945238271"/>
+      </p:ext>
+    </p:extLst>
+  </p:cSld>
+  <p:clrMapOvr>
+    <a:masterClrMapping/>
+  </p:clrMapOvr>
+</p:sld>
+</file>
+
+<file path=ppt/slides/slide6.xml><?xml version="1.0" encoding="utf-8"?>
+<p:sld xmlns:a="http://schemas.openxmlformats.org/drawingml/2006/main" xmlns:r="http://schemas.openxmlformats.org/officeDocument/2006/relationships" xmlns:p="http://schemas.openxmlformats.org/presentationml/2006/main">
+  <p:cSld>
+    <p:spTree>
+      <p:nvGrpSpPr>
+        <p:cNvPr id="1" name=""/>
+        <p:cNvGrpSpPr/>
+        <p:nvPr/>
+      </p:nvGrpSpPr>
+      <p:grpSpPr>
+        <a:xfrm>
+          <a:off x="0" y="0"/>
+          <a:ext cx="0" cy="0"/>
+          <a:chOff x="0" y="0"/>
+          <a:chExt cx="0" cy="0"/>
+        </a:xfrm>
+      </p:grpSpPr>
+      <p:sp>
+        <p:nvSpPr>
+          <p:cNvPr id="2" name="Título 1">
+            <a:extLst>
+              <a:ext uri="{FF2B5EF4-FFF2-40B4-BE49-F238E27FC236}">
+                <a16:creationId xmlns:a16="http://schemas.microsoft.com/office/drawing/2014/main" id="{CFE29459-D86D-2B04-EDEF-467C865688CF}"/>
+              </a:ext>
+            </a:extLst>
+          </p:cNvPr>
+          <p:cNvSpPr>
+            <a:spLocks noGrp="1"/>
+          </p:cNvSpPr>
+          <p:nvPr>
+            <p:ph type="title"/>
+          </p:nvPr>
+        </p:nvSpPr>
+        <p:spPr/>
+        <p:txBody>
+          <a:bodyPr/>
+          <a:lstStyle/>
+          <a:p>
+            <a:r>
+              <a:rPr lang="en-US" dirty="0" err="1"/>
+              <a:t>Polimorfismo</a:t>
+            </a:r>
+            <a:endParaRPr lang="es-CR" dirty="0"/>
+          </a:p>
+        </p:txBody>
+      </p:sp>
+      <p:pic>
+        <p:nvPicPr>
+          <p:cNvPr id="5" name="Marcador de contenido 4">
+            <a:extLst>
+              <a:ext uri="{FF2B5EF4-FFF2-40B4-BE49-F238E27FC236}">
+                <a16:creationId xmlns:a16="http://schemas.microsoft.com/office/drawing/2014/main" id="{B12AF217-9D37-E7F4-0814-B4B47EEC834C}"/>
+              </a:ext>
+            </a:extLst>
+          </p:cNvPr>
+          <p:cNvPicPr>
+            <a:picLocks noGrp="1" noChangeAspect="1"/>
+          </p:cNvPicPr>
+          <p:nvPr>
+            <p:ph idx="1"/>
+          </p:nvPr>
+        </p:nvPicPr>
+        <p:blipFill>
+          <a:blip r:embed="rId2"/>
+          <a:stretch>
+            <a:fillRect/>
+          </a:stretch>
+        </p:blipFill>
+        <p:spPr>
+          <a:xfrm>
+            <a:off x="2407299" y="2398454"/>
+            <a:ext cx="7127032" cy="3019777"/>
+          </a:xfrm>
+        </p:spPr>
+      </p:pic>
+    </p:spTree>
+    <p:extLst>
+      <p:ext uri="{BB962C8B-B14F-4D97-AF65-F5344CB8AC3E}">
+        <p14:creationId xmlns:p14="http://schemas.microsoft.com/office/powerpoint/2010/main" val="3310373461"/>
+      </p:ext>
+    </p:extLst>
+  </p:cSld>
+  <p:clrMapOvr>
+    <a:masterClrMapping/>
+  </p:clrMapOvr>
+</p:sld>
+</file>
+
 <file path=ppt/theme/theme1.xml><?xml version="1.0" encoding="utf-8"?>
 <a:theme xmlns:a="http://schemas.openxmlformats.org/drawingml/2006/main" name="RetrospectVTI">
   <a:themeElements>

--- a/DonCey Kong.pptx
+++ b/DonCey Kong.pptx
@@ -9,6 +9,7 @@
     <p:sldId id="257" r:id="rId3"/>
     <p:sldId id="258" r:id="rId4"/>
     <p:sldId id="259" r:id="rId5"/>
+    <p:sldId id="260" r:id="rId6"/>
   </p:sldIdLst>
   <p:sldSz cx="12192000" cy="6858000"/>
   <p:notesSz cx="6858000" cy="9144000"/>
@@ -107,6 +108,11 @@
       </a:defRPr>
     </a:lvl9pPr>
   </p:defaultTextStyle>
+  <p:extLst>
+    <p:ext uri="{EFAFB233-063F-42B5-8137-9DF3F51BA10A}">
+      <p15:sldGuideLst xmlns:p15="http://schemas.microsoft.com/office/powerpoint/2012/main"/>
+    </p:ext>
+  </p:extLst>
 </p:presentation>
 </file>
 
@@ -4979,6 +4985,103 @@
 </p:sld>
 </file>
 
+<file path=ppt/slides/slide5.xml><?xml version="1.0" encoding="utf-8"?>
+<p:sld xmlns:a="http://schemas.openxmlformats.org/drawingml/2006/main" xmlns:r="http://schemas.openxmlformats.org/officeDocument/2006/relationships" xmlns:p="http://schemas.openxmlformats.org/presentationml/2006/main">
+  <p:cSld>
+    <p:spTree>
+      <p:nvGrpSpPr>
+        <p:cNvPr id="1" name=""/>
+        <p:cNvGrpSpPr/>
+        <p:nvPr/>
+      </p:nvGrpSpPr>
+      <p:grpSpPr>
+        <a:xfrm>
+          <a:off x="0" y="0"/>
+          <a:ext cx="0" cy="0"/>
+          <a:chOff x="0" y="0"/>
+          <a:chExt cx="0" cy="0"/>
+        </a:xfrm>
+      </p:grpSpPr>
+      <p:sp>
+        <p:nvSpPr>
+          <p:cNvPr id="2" name="Título 1">
+            <a:extLst>
+              <a:ext uri="{FF2B5EF4-FFF2-40B4-BE49-F238E27FC236}">
+                <a16:creationId xmlns:a16="http://schemas.microsoft.com/office/drawing/2014/main" id="{BB1F0AD4-892A-6D1D-079B-553ADA2F5A19}"/>
+              </a:ext>
+            </a:extLst>
+          </p:cNvPr>
+          <p:cNvSpPr>
+            <a:spLocks noGrp="1"/>
+          </p:cNvSpPr>
+          <p:nvPr>
+            <p:ph type="title"/>
+          </p:nvPr>
+        </p:nvSpPr>
+        <p:spPr/>
+        <p:txBody>
+          <a:bodyPr/>
+          <a:lstStyle/>
+          <a:p>
+            <a:r>
+              <a:rPr lang="en-US" dirty="0" err="1"/>
+              <a:t>Conexión</a:t>
+            </a:r>
+            <a:r>
+              <a:rPr lang="en-US" dirty="0"/>
+              <a:t> </a:t>
+            </a:r>
+            <a:r>
+              <a:rPr lang="en-US" dirty="0" err="1"/>
+              <a:t>Servidor-Cliente</a:t>
+            </a:r>
+            <a:endParaRPr lang="es-CR" dirty="0"/>
+          </a:p>
+        </p:txBody>
+      </p:sp>
+      <p:pic>
+        <p:nvPicPr>
+          <p:cNvPr id="8" name="Imagen 7">
+            <a:extLst>
+              <a:ext uri="{FF2B5EF4-FFF2-40B4-BE49-F238E27FC236}">
+                <a16:creationId xmlns:a16="http://schemas.microsoft.com/office/drawing/2014/main" id="{F4A707C8-6BA6-E75E-CCC1-AE76B74DC580}"/>
+              </a:ext>
+            </a:extLst>
+          </p:cNvPr>
+          <p:cNvPicPr>
+            <a:picLocks noChangeAspect="1"/>
+          </p:cNvPicPr>
+          <p:nvPr/>
+        </p:nvPicPr>
+        <p:blipFill>
+          <a:blip r:embed="rId2"/>
+          <a:stretch>
+            <a:fillRect/>
+          </a:stretch>
+        </p:blipFill>
+        <p:spPr>
+          <a:xfrm>
+            <a:off x="1315012" y="2352675"/>
+            <a:ext cx="6400800" cy="2152650"/>
+          </a:xfrm>
+          <a:prstGeom prst="rect">
+            <a:avLst/>
+          </a:prstGeom>
+        </p:spPr>
+      </p:pic>
+    </p:spTree>
+    <p:extLst>
+      <p:ext uri="{BB962C8B-B14F-4D97-AF65-F5344CB8AC3E}">
+        <p14:creationId xmlns:p14="http://schemas.microsoft.com/office/powerpoint/2010/main" val="418016134"/>
+      </p:ext>
+    </p:extLst>
+  </p:cSld>
+  <p:clrMapOvr>
+    <a:masterClrMapping/>
+  </p:clrMapOvr>
+</p:sld>
+</file>
+
 <file path=ppt/theme/theme1.xml><?xml version="1.0" encoding="utf-8"?>
 <a:theme xmlns:a="http://schemas.openxmlformats.org/drawingml/2006/main" name="RetrospectVTI">
   <a:themeElements>
